--- a/island connect.pptx
+++ b/island connect.pptx
@@ -4,8 +4,12 @@
   <p:sldMasterIdLst>
     <p:sldMasterId id="2147483648" r:id="rId1"/>
   </p:sldMasterIdLst>
+  <p:notesMasterIdLst>
+    <p:notesMasterId r:id="rId4"/>
+  </p:notesMasterIdLst>
   <p:sldIdLst>
-    <p:sldId id="256" r:id="rId2"/>
+    <p:sldId id="257" r:id="rId2"/>
+    <p:sldId id="256" r:id="rId3"/>
   </p:sldIdLst>
   <p:sldSz cx="12192000" cy="6858000"/>
   <p:notesSz cx="6858000" cy="9144000"/>
@@ -104,6 +108,11 @@
       </a:defRPr>
     </a:lvl9pPr>
   </p:defaultTextStyle>
+  <p:extLst>
+    <p:ext uri="{EFAFB233-063F-42B5-8137-9DF3F51BA10A}">
+      <p15:sldGuideLst xmlns:p15="http://schemas.microsoft.com/office/powerpoint/2012/main"/>
+    </p:ext>
+  </p:extLst>
 </p:presentation>
 </file>
 
@@ -117,6 +126,439 @@
     </p:extLst>
   </p:cmAuthor>
 </p:cmAuthorLst>
+</file>
+
+<file path=ppt/notesMasters/notesMaster1.xml><?xml version="1.0" encoding="utf-8"?>
+<p:notesMaster xmlns:a="http://schemas.openxmlformats.org/drawingml/2006/main" xmlns:r="http://schemas.openxmlformats.org/officeDocument/2006/relationships" xmlns:p="http://schemas.openxmlformats.org/presentationml/2006/main">
+  <p:cSld>
+    <p:bg>
+      <p:bgRef idx="1001">
+        <a:schemeClr val="bg1"/>
+      </p:bgRef>
+    </p:bg>
+    <p:spTree>
+      <p:nvGrpSpPr>
+        <p:cNvPr id="1" name=""/>
+        <p:cNvGrpSpPr/>
+        <p:nvPr/>
+      </p:nvGrpSpPr>
+      <p:grpSpPr>
+        <a:xfrm>
+          <a:off x="0" y="0"/>
+          <a:ext cx="0" cy="0"/>
+          <a:chOff x="0" y="0"/>
+          <a:chExt cx="0" cy="0"/>
+        </a:xfrm>
+      </p:grpSpPr>
+      <p:sp>
+        <p:nvSpPr>
+          <p:cNvPr id="2" name="머리글 개체 틀 1"/>
+          <p:cNvSpPr>
+            <a:spLocks noGrp="1"/>
+          </p:cNvSpPr>
+          <p:nvPr>
+            <p:ph type="hdr" sz="quarter"/>
+          </p:nvPr>
+        </p:nvSpPr>
+        <p:spPr>
+          <a:xfrm>
+            <a:off x="0" y="0"/>
+            <a:ext cx="2971800" cy="458788"/>
+          </a:xfrm>
+          <a:prstGeom prst="rect">
+            <a:avLst/>
+          </a:prstGeom>
+        </p:spPr>
+        <p:txBody>
+          <a:bodyPr vert="horz" lIns="91440" tIns="45720" rIns="91440" bIns="45720" rtlCol="0"/>
+          <a:lstStyle>
+            <a:lvl1pPr algn="l">
+              <a:defRPr sz="1200"/>
+            </a:lvl1pPr>
+          </a:lstStyle>
+          <a:p>
+            <a:endParaRPr lang="ko-KR" altLang="en-US"/>
+          </a:p>
+        </p:txBody>
+      </p:sp>
+      <p:sp>
+        <p:nvSpPr>
+          <p:cNvPr id="3" name="날짜 개체 틀 2"/>
+          <p:cNvSpPr>
+            <a:spLocks noGrp="1"/>
+          </p:cNvSpPr>
+          <p:nvPr>
+            <p:ph type="dt" idx="1"/>
+          </p:nvPr>
+        </p:nvSpPr>
+        <p:spPr>
+          <a:xfrm>
+            <a:off x="3884613" y="0"/>
+            <a:ext cx="2971800" cy="458788"/>
+          </a:xfrm>
+          <a:prstGeom prst="rect">
+            <a:avLst/>
+          </a:prstGeom>
+        </p:spPr>
+        <p:txBody>
+          <a:bodyPr vert="horz" lIns="91440" tIns="45720" rIns="91440" bIns="45720" rtlCol="0"/>
+          <a:lstStyle>
+            <a:lvl1pPr algn="r">
+              <a:defRPr sz="1200"/>
+            </a:lvl1pPr>
+          </a:lstStyle>
+          <a:p>
+            <a:fld id="{EFE3164A-D6ED-4D90-8C3A-BA44028DC428}" type="datetimeFigureOut">
+              <a:rPr lang="ko-KR" altLang="en-US" smtClean="0"/>
+              <a:t>2021-01-18(Mon)</a:t>
+            </a:fld>
+            <a:endParaRPr lang="ko-KR" altLang="en-US"/>
+          </a:p>
+        </p:txBody>
+      </p:sp>
+      <p:sp>
+        <p:nvSpPr>
+          <p:cNvPr id="4" name="슬라이드 이미지 개체 틀 3"/>
+          <p:cNvSpPr>
+            <a:spLocks noGrp="1" noRot="1" noChangeAspect="1"/>
+          </p:cNvSpPr>
+          <p:nvPr>
+            <p:ph type="sldImg" idx="2"/>
+          </p:nvPr>
+        </p:nvSpPr>
+        <p:spPr>
+          <a:xfrm>
+            <a:off x="685800" y="1143000"/>
+            <a:ext cx="5486400" cy="3086100"/>
+          </a:xfrm>
+          <a:prstGeom prst="rect">
+            <a:avLst/>
+          </a:prstGeom>
+          <a:noFill/>
+          <a:ln w="12700">
+            <a:solidFill>
+              <a:prstClr val="black"/>
+            </a:solidFill>
+          </a:ln>
+        </p:spPr>
+        <p:txBody>
+          <a:bodyPr vert="horz" lIns="91440" tIns="45720" rIns="91440" bIns="45720" rtlCol="0" anchor="ctr"/>
+          <a:lstStyle/>
+          <a:p>
+            <a:endParaRPr lang="ko-KR" altLang="en-US"/>
+          </a:p>
+        </p:txBody>
+      </p:sp>
+      <p:sp>
+        <p:nvSpPr>
+          <p:cNvPr id="5" name="슬라이드 노트 개체 틀 4"/>
+          <p:cNvSpPr>
+            <a:spLocks noGrp="1"/>
+          </p:cNvSpPr>
+          <p:nvPr>
+            <p:ph type="body" sz="quarter" idx="3"/>
+          </p:nvPr>
+        </p:nvSpPr>
+        <p:spPr>
+          <a:xfrm>
+            <a:off x="685800" y="4400550"/>
+            <a:ext cx="5486400" cy="3600450"/>
+          </a:xfrm>
+          <a:prstGeom prst="rect">
+            <a:avLst/>
+          </a:prstGeom>
+        </p:spPr>
+        <p:txBody>
+          <a:bodyPr vert="horz" lIns="91440" tIns="45720" rIns="91440" bIns="45720" rtlCol="0"/>
+          <a:lstStyle/>
+          <a:p>
+            <a:pPr lvl="0"/>
+            <a:r>
+              <a:rPr lang="ko-KR" altLang="en-US"/>
+              <a:t>마스터 텍스트 스타일을 편집하려면 클릭</a:t>
+            </a:r>
+          </a:p>
+          <a:p>
+            <a:pPr lvl="1"/>
+            <a:r>
+              <a:rPr lang="ko-KR" altLang="en-US"/>
+              <a:t>두 번째 수준</a:t>
+            </a:r>
+          </a:p>
+          <a:p>
+            <a:pPr lvl="2"/>
+            <a:r>
+              <a:rPr lang="ko-KR" altLang="en-US"/>
+              <a:t>세 번째 수준</a:t>
+            </a:r>
+          </a:p>
+          <a:p>
+            <a:pPr lvl="3"/>
+            <a:r>
+              <a:rPr lang="ko-KR" altLang="en-US"/>
+              <a:t>네 번째 수준</a:t>
+            </a:r>
+          </a:p>
+          <a:p>
+            <a:pPr lvl="4"/>
+            <a:r>
+              <a:rPr lang="ko-KR" altLang="en-US"/>
+              <a:t>다섯 번째 수준</a:t>
+            </a:r>
+          </a:p>
+        </p:txBody>
+      </p:sp>
+      <p:sp>
+        <p:nvSpPr>
+          <p:cNvPr id="6" name="바닥글 개체 틀 5"/>
+          <p:cNvSpPr>
+            <a:spLocks noGrp="1"/>
+          </p:cNvSpPr>
+          <p:nvPr>
+            <p:ph type="ftr" sz="quarter" idx="4"/>
+          </p:nvPr>
+        </p:nvSpPr>
+        <p:spPr>
+          <a:xfrm>
+            <a:off x="0" y="8685213"/>
+            <a:ext cx="2971800" cy="458787"/>
+          </a:xfrm>
+          <a:prstGeom prst="rect">
+            <a:avLst/>
+          </a:prstGeom>
+        </p:spPr>
+        <p:txBody>
+          <a:bodyPr vert="horz" lIns="91440" tIns="45720" rIns="91440" bIns="45720" rtlCol="0" anchor="b"/>
+          <a:lstStyle>
+            <a:lvl1pPr algn="l">
+              <a:defRPr sz="1200"/>
+            </a:lvl1pPr>
+          </a:lstStyle>
+          <a:p>
+            <a:endParaRPr lang="ko-KR" altLang="en-US"/>
+          </a:p>
+        </p:txBody>
+      </p:sp>
+      <p:sp>
+        <p:nvSpPr>
+          <p:cNvPr id="7" name="슬라이드 번호 개체 틀 6"/>
+          <p:cNvSpPr>
+            <a:spLocks noGrp="1"/>
+          </p:cNvSpPr>
+          <p:nvPr>
+            <p:ph type="sldNum" sz="quarter" idx="5"/>
+          </p:nvPr>
+        </p:nvSpPr>
+        <p:spPr>
+          <a:xfrm>
+            <a:off x="3884613" y="8685213"/>
+            <a:ext cx="2971800" cy="458787"/>
+          </a:xfrm>
+          <a:prstGeom prst="rect">
+            <a:avLst/>
+          </a:prstGeom>
+        </p:spPr>
+        <p:txBody>
+          <a:bodyPr vert="horz" lIns="91440" tIns="45720" rIns="91440" bIns="45720" rtlCol="0" anchor="b"/>
+          <a:lstStyle>
+            <a:lvl1pPr algn="r">
+              <a:defRPr sz="1200"/>
+            </a:lvl1pPr>
+          </a:lstStyle>
+          <a:p>
+            <a:fld id="{B693EE7A-AB95-4F99-8A61-5B49D16FCF4B}" type="slidenum">
+              <a:rPr lang="ko-KR" altLang="en-US" smtClean="0"/>
+              <a:t>‹#›</a:t>
+            </a:fld>
+            <a:endParaRPr lang="ko-KR" altLang="en-US"/>
+          </a:p>
+        </p:txBody>
+      </p:sp>
+    </p:spTree>
+    <p:extLst>
+      <p:ext uri="{BB962C8B-B14F-4D97-AF65-F5344CB8AC3E}">
+        <p14:creationId xmlns:p14="http://schemas.microsoft.com/office/powerpoint/2010/main" val="4183006475"/>
+      </p:ext>
+    </p:extLst>
+  </p:cSld>
+  <p:clrMap bg1="lt1" tx1="dk1" bg2="lt2" tx2="dk2" accent1="accent1" accent2="accent2" accent3="accent3" accent4="accent4" accent5="accent5" accent6="accent6" hlink="hlink" folHlink="folHlink"/>
+  <p:notesStyle>
+    <a:lvl1pPr marL="0" algn="l" defTabSz="914400" rtl="0" eaLnBrk="1" latinLnBrk="1" hangingPunct="1">
+      <a:defRPr sz="1200" kern="1200">
+        <a:solidFill>
+          <a:schemeClr val="tx1"/>
+        </a:solidFill>
+        <a:latin typeface="+mn-lt"/>
+        <a:ea typeface="+mn-ea"/>
+        <a:cs typeface="+mn-cs"/>
+      </a:defRPr>
+    </a:lvl1pPr>
+    <a:lvl2pPr marL="457200" algn="l" defTabSz="914400" rtl="0" eaLnBrk="1" latinLnBrk="1" hangingPunct="1">
+      <a:defRPr sz="1200" kern="1200">
+        <a:solidFill>
+          <a:schemeClr val="tx1"/>
+        </a:solidFill>
+        <a:latin typeface="+mn-lt"/>
+        <a:ea typeface="+mn-ea"/>
+        <a:cs typeface="+mn-cs"/>
+      </a:defRPr>
+    </a:lvl2pPr>
+    <a:lvl3pPr marL="914400" algn="l" defTabSz="914400" rtl="0" eaLnBrk="1" latinLnBrk="1" hangingPunct="1">
+      <a:defRPr sz="1200" kern="1200">
+        <a:solidFill>
+          <a:schemeClr val="tx1"/>
+        </a:solidFill>
+        <a:latin typeface="+mn-lt"/>
+        <a:ea typeface="+mn-ea"/>
+        <a:cs typeface="+mn-cs"/>
+      </a:defRPr>
+    </a:lvl3pPr>
+    <a:lvl4pPr marL="1371600" algn="l" defTabSz="914400" rtl="0" eaLnBrk="1" latinLnBrk="1" hangingPunct="1">
+      <a:defRPr sz="1200" kern="1200">
+        <a:solidFill>
+          <a:schemeClr val="tx1"/>
+        </a:solidFill>
+        <a:latin typeface="+mn-lt"/>
+        <a:ea typeface="+mn-ea"/>
+        <a:cs typeface="+mn-cs"/>
+      </a:defRPr>
+    </a:lvl4pPr>
+    <a:lvl5pPr marL="1828800" algn="l" defTabSz="914400" rtl="0" eaLnBrk="1" latinLnBrk="1" hangingPunct="1">
+      <a:defRPr sz="1200" kern="1200">
+        <a:solidFill>
+          <a:schemeClr val="tx1"/>
+        </a:solidFill>
+        <a:latin typeface="+mn-lt"/>
+        <a:ea typeface="+mn-ea"/>
+        <a:cs typeface="+mn-cs"/>
+      </a:defRPr>
+    </a:lvl5pPr>
+    <a:lvl6pPr marL="2286000" algn="l" defTabSz="914400" rtl="0" eaLnBrk="1" latinLnBrk="1" hangingPunct="1">
+      <a:defRPr sz="1200" kern="1200">
+        <a:solidFill>
+          <a:schemeClr val="tx1"/>
+        </a:solidFill>
+        <a:latin typeface="+mn-lt"/>
+        <a:ea typeface="+mn-ea"/>
+        <a:cs typeface="+mn-cs"/>
+      </a:defRPr>
+    </a:lvl6pPr>
+    <a:lvl7pPr marL="2743200" algn="l" defTabSz="914400" rtl="0" eaLnBrk="1" latinLnBrk="1" hangingPunct="1">
+      <a:defRPr sz="1200" kern="1200">
+        <a:solidFill>
+          <a:schemeClr val="tx1"/>
+        </a:solidFill>
+        <a:latin typeface="+mn-lt"/>
+        <a:ea typeface="+mn-ea"/>
+        <a:cs typeface="+mn-cs"/>
+      </a:defRPr>
+    </a:lvl7pPr>
+    <a:lvl8pPr marL="3200400" algn="l" defTabSz="914400" rtl="0" eaLnBrk="1" latinLnBrk="1" hangingPunct="1">
+      <a:defRPr sz="1200" kern="1200">
+        <a:solidFill>
+          <a:schemeClr val="tx1"/>
+        </a:solidFill>
+        <a:latin typeface="+mn-lt"/>
+        <a:ea typeface="+mn-ea"/>
+        <a:cs typeface="+mn-cs"/>
+      </a:defRPr>
+    </a:lvl8pPr>
+    <a:lvl9pPr marL="3657600" algn="l" defTabSz="914400" rtl="0" eaLnBrk="1" latinLnBrk="1" hangingPunct="1">
+      <a:defRPr sz="1200" kern="1200">
+        <a:solidFill>
+          <a:schemeClr val="tx1"/>
+        </a:solidFill>
+        <a:latin typeface="+mn-lt"/>
+        <a:ea typeface="+mn-ea"/>
+        <a:cs typeface="+mn-cs"/>
+      </a:defRPr>
+    </a:lvl9pPr>
+  </p:notesStyle>
+</p:notesMaster>
+</file>
+
+<file path=ppt/notesSlides/notesSlide1.xml><?xml version="1.0" encoding="utf-8"?>
+<p:notes xmlns:a="http://schemas.openxmlformats.org/drawingml/2006/main" xmlns:r="http://schemas.openxmlformats.org/officeDocument/2006/relationships" xmlns:p="http://schemas.openxmlformats.org/presentationml/2006/main">
+  <p:cSld>
+    <p:spTree>
+      <p:nvGrpSpPr>
+        <p:cNvPr id="1" name=""/>
+        <p:cNvGrpSpPr/>
+        <p:nvPr/>
+      </p:nvGrpSpPr>
+      <p:grpSpPr>
+        <a:xfrm>
+          <a:off x="0" y="0"/>
+          <a:ext cx="0" cy="0"/>
+          <a:chOff x="0" y="0"/>
+          <a:chExt cx="0" cy="0"/>
+        </a:xfrm>
+      </p:grpSpPr>
+      <p:sp>
+        <p:nvSpPr>
+          <p:cNvPr id="2" name="슬라이드 이미지 개체 틀 1"/>
+          <p:cNvSpPr>
+            <a:spLocks noGrp="1" noRot="1" noChangeAspect="1"/>
+          </p:cNvSpPr>
+          <p:nvPr>
+            <p:ph type="sldImg"/>
+          </p:nvPr>
+        </p:nvSpPr>
+        <p:spPr/>
+      </p:sp>
+      <p:sp>
+        <p:nvSpPr>
+          <p:cNvPr id="3" name="슬라이드 노트 개체 틀 2"/>
+          <p:cNvSpPr>
+            <a:spLocks noGrp="1"/>
+          </p:cNvSpPr>
+          <p:nvPr>
+            <p:ph type="body" idx="1"/>
+          </p:nvPr>
+        </p:nvSpPr>
+        <p:spPr/>
+        <p:txBody>
+          <a:bodyPr/>
+          <a:lstStyle/>
+          <a:p>
+            <a:endParaRPr lang="ko-KR" altLang="en-US" dirty="0"/>
+          </a:p>
+        </p:txBody>
+      </p:sp>
+      <p:sp>
+        <p:nvSpPr>
+          <p:cNvPr id="4" name="슬라이드 번호 개체 틀 3"/>
+          <p:cNvSpPr>
+            <a:spLocks noGrp="1"/>
+          </p:cNvSpPr>
+          <p:nvPr>
+            <p:ph type="sldNum" sz="quarter" idx="5"/>
+          </p:nvPr>
+        </p:nvSpPr>
+        <p:spPr/>
+        <p:txBody>
+          <a:bodyPr/>
+          <a:lstStyle/>
+          <a:p>
+            <a:fld id="{B693EE7A-AB95-4F99-8A61-5B49D16FCF4B}" type="slidenum">
+              <a:rPr lang="ko-KR" altLang="en-US" smtClean="0"/>
+              <a:t>2</a:t>
+            </a:fld>
+            <a:endParaRPr lang="ko-KR" altLang="en-US"/>
+          </a:p>
+        </p:txBody>
+      </p:sp>
+    </p:spTree>
+    <p:extLst>
+      <p:ext uri="{BB962C8B-B14F-4D97-AF65-F5344CB8AC3E}">
+        <p14:creationId xmlns:p14="http://schemas.microsoft.com/office/powerpoint/2010/main" val="46124103"/>
+      </p:ext>
+    </p:extLst>
+  </p:cSld>
+  <p:clrMapOvr>
+    <a:masterClrMapping/>
+  </p:clrMapOvr>
+</p:notes>
 </file>
 
 <file path=ppt/slideLayouts/slideLayout1.xml><?xml version="1.0" encoding="utf-8"?>
@@ -266,7 +708,7 @@
           <a:p>
             <a:fld id="{74AAF566-BF03-4C9D-8E67-E1E40E33452B}" type="datetimeFigureOut">
               <a:rPr lang="ko-KR" altLang="en-US" smtClean="0"/>
-              <a:t>2021-01-14(Thu)</a:t>
+              <a:t>2021-01-18(Mon)</a:t>
             </a:fld>
             <a:endParaRPr lang="ko-KR" altLang="en-US"/>
           </a:p>
@@ -464,7 +906,7 @@
           <a:p>
             <a:fld id="{74AAF566-BF03-4C9D-8E67-E1E40E33452B}" type="datetimeFigureOut">
               <a:rPr lang="ko-KR" altLang="en-US" smtClean="0"/>
-              <a:t>2021-01-14(Thu)</a:t>
+              <a:t>2021-01-18(Mon)</a:t>
             </a:fld>
             <a:endParaRPr lang="ko-KR" altLang="en-US"/>
           </a:p>
@@ -672,7 +1114,7 @@
           <a:p>
             <a:fld id="{74AAF566-BF03-4C9D-8E67-E1E40E33452B}" type="datetimeFigureOut">
               <a:rPr lang="ko-KR" altLang="en-US" smtClean="0"/>
-              <a:t>2021-01-14(Thu)</a:t>
+              <a:t>2021-01-18(Mon)</a:t>
             </a:fld>
             <a:endParaRPr lang="ko-KR" altLang="en-US"/>
           </a:p>
@@ -870,7 +1312,7 @@
           <a:p>
             <a:fld id="{74AAF566-BF03-4C9D-8E67-E1E40E33452B}" type="datetimeFigureOut">
               <a:rPr lang="ko-KR" altLang="en-US" smtClean="0"/>
-              <a:t>2021-01-14(Thu)</a:t>
+              <a:t>2021-01-18(Mon)</a:t>
             </a:fld>
             <a:endParaRPr lang="ko-KR" altLang="en-US"/>
           </a:p>
@@ -1145,7 +1587,7 @@
           <a:p>
             <a:fld id="{74AAF566-BF03-4C9D-8E67-E1E40E33452B}" type="datetimeFigureOut">
               <a:rPr lang="ko-KR" altLang="en-US" smtClean="0"/>
-              <a:t>2021-01-14(Thu)</a:t>
+              <a:t>2021-01-18(Mon)</a:t>
             </a:fld>
             <a:endParaRPr lang="ko-KR" altLang="en-US"/>
           </a:p>
@@ -1410,7 +1852,7 @@
           <a:p>
             <a:fld id="{74AAF566-BF03-4C9D-8E67-E1E40E33452B}" type="datetimeFigureOut">
               <a:rPr lang="ko-KR" altLang="en-US" smtClean="0"/>
-              <a:t>2021-01-14(Thu)</a:t>
+              <a:t>2021-01-18(Mon)</a:t>
             </a:fld>
             <a:endParaRPr lang="ko-KR" altLang="en-US"/>
           </a:p>
@@ -1822,7 +2264,7 @@
           <a:p>
             <a:fld id="{74AAF566-BF03-4C9D-8E67-E1E40E33452B}" type="datetimeFigureOut">
               <a:rPr lang="ko-KR" altLang="en-US" smtClean="0"/>
-              <a:t>2021-01-14(Thu)</a:t>
+              <a:t>2021-01-18(Mon)</a:t>
             </a:fld>
             <a:endParaRPr lang="ko-KR" altLang="en-US"/>
           </a:p>
@@ -1963,7 +2405,7 @@
           <a:p>
             <a:fld id="{74AAF566-BF03-4C9D-8E67-E1E40E33452B}" type="datetimeFigureOut">
               <a:rPr lang="ko-KR" altLang="en-US" smtClean="0"/>
-              <a:t>2021-01-14(Thu)</a:t>
+              <a:t>2021-01-18(Mon)</a:t>
             </a:fld>
             <a:endParaRPr lang="ko-KR" altLang="en-US"/>
           </a:p>
@@ -2076,7 +2518,7 @@
           <a:p>
             <a:fld id="{74AAF566-BF03-4C9D-8E67-E1E40E33452B}" type="datetimeFigureOut">
               <a:rPr lang="ko-KR" altLang="en-US" smtClean="0"/>
-              <a:t>2021-01-14(Thu)</a:t>
+              <a:t>2021-01-18(Mon)</a:t>
             </a:fld>
             <a:endParaRPr lang="ko-KR" altLang="en-US"/>
           </a:p>
@@ -2387,7 +2829,7 @@
           <a:p>
             <a:fld id="{74AAF566-BF03-4C9D-8E67-E1E40E33452B}" type="datetimeFigureOut">
               <a:rPr lang="ko-KR" altLang="en-US" smtClean="0"/>
-              <a:t>2021-01-14(Thu)</a:t>
+              <a:t>2021-01-18(Mon)</a:t>
             </a:fld>
             <a:endParaRPr lang="ko-KR" altLang="en-US"/>
           </a:p>
@@ -2675,7 +3117,7 @@
           <a:p>
             <a:fld id="{74AAF566-BF03-4C9D-8E67-E1E40E33452B}" type="datetimeFigureOut">
               <a:rPr lang="ko-KR" altLang="en-US" smtClean="0"/>
-              <a:t>2021-01-14(Thu)</a:t>
+              <a:t>2021-01-18(Mon)</a:t>
             </a:fld>
             <a:endParaRPr lang="ko-KR" altLang="en-US"/>
           </a:p>
@@ -2921,7 +3363,7 @@
           <a:p>
             <a:fld id="{74AAF566-BF03-4C9D-8E67-E1E40E33452B}" type="datetimeFigureOut">
               <a:rPr lang="ko-KR" altLang="en-US" smtClean="0"/>
-              <a:t>2021-01-14(Thu)</a:t>
+              <a:t>2021-01-18(Mon)</a:t>
             </a:fld>
             <a:endParaRPr lang="ko-KR" altLang="en-US"/>
           </a:p>
@@ -3324,6 +3766,632 @@
 <file path=ppt/slides/slide1.xml><?xml version="1.0" encoding="utf-8"?>
 <p:sld xmlns:a="http://schemas.openxmlformats.org/drawingml/2006/main" xmlns:r="http://schemas.openxmlformats.org/officeDocument/2006/relationships" xmlns:p="http://schemas.openxmlformats.org/presentationml/2006/main">
   <p:cSld>
+    <p:bg>
+      <p:bgPr>
+        <a:solidFill>
+          <a:schemeClr val="bg1"/>
+        </a:solidFill>
+        <a:effectLst/>
+      </p:bgPr>
+    </p:bg>
+    <p:spTree>
+      <p:nvGrpSpPr>
+        <p:cNvPr id="1" name=""/>
+        <p:cNvGrpSpPr/>
+        <p:nvPr/>
+      </p:nvGrpSpPr>
+      <p:grpSpPr>
+        <a:xfrm>
+          <a:off x="0" y="0"/>
+          <a:ext cx="0" cy="0"/>
+          <a:chOff x="0" y="0"/>
+          <a:chExt cx="0" cy="0"/>
+        </a:xfrm>
+      </p:grpSpPr>
+      <p:sp>
+        <p:nvSpPr>
+          <p:cNvPr id="26" name="Rectangle 9">
+            <a:extLst>
+              <a:ext uri="{FF2B5EF4-FFF2-40B4-BE49-F238E27FC236}">
+                <a16:creationId xmlns:a16="http://schemas.microsoft.com/office/drawing/2014/main" id="{F3060C83-F051-4F0E-ABAD-AA0DFC48B218}"/>
+              </a:ext>
+              <a:ext uri="{C183D7F6-B498-43B3-948B-1728B52AA6E4}">
+                <adec:decorative xmlns:adec="http://schemas.microsoft.com/office/drawing/2017/decorative" val="1"/>
+              </a:ext>
+            </a:extLst>
+          </p:cNvPr>
+          <p:cNvSpPr>
+            <a:spLocks noGrp="1" noRot="1" noChangeAspect="1" noMove="1" noResize="1" noEditPoints="1" noAdjustHandles="1" noChangeArrowheads="1" noChangeShapeType="1" noTextEdit="1"/>
+          </p:cNvSpPr>
+          <p:nvPr>
+            <p:extLst>
+              <p:ext uri="{386F3935-93C4-4BCD-93E2-E3B085C9AB24}">
+                <p16:designElem xmlns:p16="http://schemas.microsoft.com/office/powerpoint/2015/main" val="1"/>
+              </p:ext>
+            </p:extLst>
+          </p:nvPr>
+        </p:nvSpPr>
+        <p:spPr>
+          <a:xfrm>
+            <a:off x="0" y="0"/>
+            <a:ext cx="12192000" cy="6858000"/>
+          </a:xfrm>
+          <a:prstGeom prst="rect">
+            <a:avLst/>
+          </a:prstGeom>
+          <a:solidFill>
+            <a:schemeClr val="bg1"/>
+          </a:solidFill>
+          <a:ln>
+            <a:noFill/>
+          </a:ln>
+        </p:spPr>
+        <p:style>
+          <a:lnRef idx="2">
+            <a:schemeClr val="accent1">
+              <a:shade val="50000"/>
+            </a:schemeClr>
+          </a:lnRef>
+          <a:fillRef idx="1">
+            <a:schemeClr val="accent1"/>
+          </a:fillRef>
+          <a:effectRef idx="0">
+            <a:schemeClr val="accent1"/>
+          </a:effectRef>
+          <a:fontRef idx="minor">
+            <a:schemeClr val="lt1"/>
+          </a:fontRef>
+        </p:style>
+        <p:txBody>
+          <a:bodyPr rtlCol="0" anchor="ctr"/>
+          <a:lstStyle/>
+          <a:p>
+            <a:pPr algn="ctr"/>
+            <a:endParaRPr lang="en-US" dirty="0"/>
+          </a:p>
+        </p:txBody>
+      </p:sp>
+      <p:sp>
+        <p:nvSpPr>
+          <p:cNvPr id="12" name="Freeform: Shape 11">
+            <a:extLst>
+              <a:ext uri="{FF2B5EF4-FFF2-40B4-BE49-F238E27FC236}">
+                <a16:creationId xmlns:a16="http://schemas.microsoft.com/office/drawing/2014/main" id="{83C98ABE-055B-441F-B07E-44F97F083C39}"/>
+              </a:ext>
+              <a:ext uri="{C183D7F6-B498-43B3-948B-1728B52AA6E4}">
+                <adec:decorative xmlns:adec="http://schemas.microsoft.com/office/drawing/2017/decorative" val="1"/>
+              </a:ext>
+            </a:extLst>
+          </p:cNvPr>
+          <p:cNvSpPr>
+            <a:spLocks noGrp="1" noRot="1" noChangeAspect="1" noMove="1" noResize="1" noEditPoints="1" noAdjustHandles="1" noChangeArrowheads="1" noChangeShapeType="1" noTextEdit="1"/>
+          </p:cNvSpPr>
+          <p:nvPr>
+            <p:extLst>
+              <p:ext uri="{386F3935-93C4-4BCD-93E2-E3B085C9AB24}">
+                <p16:designElem xmlns:p16="http://schemas.microsoft.com/office/powerpoint/2015/main" val="1"/>
+              </p:ext>
+            </p:extLst>
+          </p:nvPr>
+        </p:nvSpPr>
+        <p:spPr>
+          <a:xfrm rot="18900000" flipH="1">
+            <a:off x="-376156" y="-253670"/>
+            <a:ext cx="1827638" cy="1376989"/>
+          </a:xfrm>
+          <a:custGeom>
+            <a:avLst/>
+            <a:gdLst>
+              <a:gd name="connsiteX0" fmla="*/ 0 w 1827638"/>
+              <a:gd name="connsiteY0" fmla="*/ 987379 h 1376989"/>
+              <a:gd name="connsiteX1" fmla="*/ 987379 w 1827638"/>
+              <a:gd name="connsiteY1" fmla="*/ 0 h 1376989"/>
+              <a:gd name="connsiteX2" fmla="*/ 1827638 w 1827638"/>
+              <a:gd name="connsiteY2" fmla="*/ 840260 h 1376989"/>
+              <a:gd name="connsiteX3" fmla="*/ 1827638 w 1827638"/>
+              <a:gd name="connsiteY3" fmla="*/ 1376989 h 1376989"/>
+              <a:gd name="connsiteX4" fmla="*/ 0 w 1827638"/>
+              <a:gd name="connsiteY4" fmla="*/ 1376989 h 1376989"/>
+            </a:gdLst>
+            <a:ahLst/>
+            <a:cxnLst>
+              <a:cxn ang="0">
+                <a:pos x="connsiteX0" y="connsiteY0"/>
+              </a:cxn>
+              <a:cxn ang="0">
+                <a:pos x="connsiteX1" y="connsiteY1"/>
+              </a:cxn>
+              <a:cxn ang="0">
+                <a:pos x="connsiteX2" y="connsiteY2"/>
+              </a:cxn>
+              <a:cxn ang="0">
+                <a:pos x="connsiteX3" y="connsiteY3"/>
+              </a:cxn>
+              <a:cxn ang="0">
+                <a:pos x="connsiteX4" y="connsiteY4"/>
+              </a:cxn>
+            </a:cxnLst>
+            <a:rect l="l" t="t" r="r" b="b"/>
+            <a:pathLst>
+              <a:path w="1827638" h="1376989">
+                <a:moveTo>
+                  <a:pt x="0" y="987379"/>
+                </a:moveTo>
+                <a:lnTo>
+                  <a:pt x="987379" y="0"/>
+                </a:lnTo>
+                <a:lnTo>
+                  <a:pt x="1827638" y="840260"/>
+                </a:lnTo>
+                <a:lnTo>
+                  <a:pt x="1827638" y="1376989"/>
+                </a:lnTo>
+                <a:lnTo>
+                  <a:pt x="0" y="1376989"/>
+                </a:lnTo>
+                <a:close/>
+              </a:path>
+            </a:pathLst>
+          </a:custGeom>
+          <a:solidFill>
+            <a:schemeClr val="accent1">
+              <a:alpha val="30000"/>
+            </a:schemeClr>
+          </a:solidFill>
+          <a:ln>
+            <a:noFill/>
+          </a:ln>
+        </p:spPr>
+        <p:style>
+          <a:lnRef idx="2">
+            <a:schemeClr val="accent1">
+              <a:shade val="50000"/>
+            </a:schemeClr>
+          </a:lnRef>
+          <a:fillRef idx="1">
+            <a:schemeClr val="accent1"/>
+          </a:fillRef>
+          <a:effectRef idx="0">
+            <a:schemeClr val="accent1"/>
+          </a:effectRef>
+          <a:fontRef idx="minor">
+            <a:schemeClr val="lt1"/>
+          </a:fontRef>
+        </p:style>
+        <p:txBody>
+          <a:bodyPr rtlCol="0" anchor="ctr"/>
+          <a:lstStyle/>
+          <a:p>
+            <a:pPr algn="ctr"/>
+            <a:endParaRPr lang="en-US" dirty="0"/>
+          </a:p>
+        </p:txBody>
+      </p:sp>
+      <p:sp>
+        <p:nvSpPr>
+          <p:cNvPr id="14" name="Rectangle 13">
+            <a:extLst>
+              <a:ext uri="{FF2B5EF4-FFF2-40B4-BE49-F238E27FC236}">
+                <a16:creationId xmlns:a16="http://schemas.microsoft.com/office/drawing/2014/main" id="{29FDB030-9B49-4CED-8CCD-4D99382388AC}"/>
+              </a:ext>
+              <a:ext uri="{C183D7F6-B498-43B3-948B-1728B52AA6E4}">
+                <adec:decorative xmlns:adec="http://schemas.microsoft.com/office/drawing/2017/decorative" val="1"/>
+              </a:ext>
+            </a:extLst>
+          </p:cNvPr>
+          <p:cNvSpPr>
+            <a:spLocks noGrp="1" noRot="1" noChangeAspect="1" noMove="1" noResize="1" noEditPoints="1" noAdjustHandles="1" noChangeArrowheads="1" noChangeShapeType="1" noTextEdit="1"/>
+          </p:cNvSpPr>
+          <p:nvPr>
+            <p:extLst>
+              <p:ext uri="{386F3935-93C4-4BCD-93E2-E3B085C9AB24}">
+                <p16:designElem xmlns:p16="http://schemas.microsoft.com/office/powerpoint/2015/main" val="1"/>
+              </p:ext>
+            </p:extLst>
+          </p:nvPr>
+        </p:nvSpPr>
+        <p:spPr>
+          <a:xfrm rot="18900000" flipH="1">
+            <a:off x="891641" y="422146"/>
+            <a:ext cx="645368" cy="645368"/>
+          </a:xfrm>
+          <a:prstGeom prst="rect">
+            <a:avLst/>
+          </a:prstGeom>
+          <a:solidFill>
+            <a:schemeClr val="accent1">
+              <a:alpha val="30000"/>
+            </a:schemeClr>
+          </a:solidFill>
+          <a:ln>
+            <a:noFill/>
+          </a:ln>
+        </p:spPr>
+        <p:style>
+          <a:lnRef idx="2">
+            <a:schemeClr val="accent1">
+              <a:shade val="50000"/>
+            </a:schemeClr>
+          </a:lnRef>
+          <a:fillRef idx="1">
+            <a:schemeClr val="accent1"/>
+          </a:fillRef>
+          <a:effectRef idx="0">
+            <a:schemeClr val="accent1"/>
+          </a:effectRef>
+          <a:fontRef idx="minor">
+            <a:schemeClr val="lt1"/>
+          </a:fontRef>
+        </p:style>
+        <p:txBody>
+          <a:bodyPr rtlCol="0" anchor="ctr"/>
+          <a:lstStyle/>
+          <a:p>
+            <a:pPr algn="ctr"/>
+            <a:endParaRPr lang="en-US"/>
+          </a:p>
+        </p:txBody>
+      </p:sp>
+      <p:sp>
+        <p:nvSpPr>
+          <p:cNvPr id="16" name="Rectangle 15">
+            <a:extLst>
+              <a:ext uri="{FF2B5EF4-FFF2-40B4-BE49-F238E27FC236}">
+                <a16:creationId xmlns:a16="http://schemas.microsoft.com/office/drawing/2014/main" id="{3783CA14-24A1-485C-8B30-D6A5D87987AD}"/>
+              </a:ext>
+              <a:ext uri="{C183D7F6-B498-43B3-948B-1728B52AA6E4}">
+                <adec:decorative xmlns:adec="http://schemas.microsoft.com/office/drawing/2017/decorative" val="1"/>
+              </a:ext>
+            </a:extLst>
+          </p:cNvPr>
+          <p:cNvSpPr>
+            <a:spLocks noGrp="1" noRot="1" noChangeAspect="1" noMove="1" noResize="1" noEditPoints="1" noAdjustHandles="1" noChangeArrowheads="1" noChangeShapeType="1" noTextEdit="1"/>
+          </p:cNvSpPr>
+          <p:nvPr>
+            <p:extLst>
+              <p:ext uri="{386F3935-93C4-4BCD-93E2-E3B085C9AB24}">
+                <p16:designElem xmlns:p16="http://schemas.microsoft.com/office/powerpoint/2015/main" val="1"/>
+              </p:ext>
+            </p:extLst>
+          </p:nvPr>
+        </p:nvSpPr>
+        <p:spPr>
+          <a:xfrm rot="18900000" flipH="1">
+            <a:off x="10043482" y="655140"/>
+            <a:ext cx="687472" cy="687472"/>
+          </a:xfrm>
+          <a:prstGeom prst="rect">
+            <a:avLst/>
+          </a:prstGeom>
+          <a:solidFill>
+            <a:schemeClr val="accent4">
+              <a:alpha val="30000"/>
+            </a:schemeClr>
+          </a:solidFill>
+          <a:ln>
+            <a:noFill/>
+          </a:ln>
+        </p:spPr>
+        <p:style>
+          <a:lnRef idx="2">
+            <a:schemeClr val="accent1">
+              <a:shade val="50000"/>
+            </a:schemeClr>
+          </a:lnRef>
+          <a:fillRef idx="1">
+            <a:schemeClr val="accent1"/>
+          </a:fillRef>
+          <a:effectRef idx="0">
+            <a:schemeClr val="accent1"/>
+          </a:effectRef>
+          <a:fontRef idx="minor">
+            <a:schemeClr val="lt1"/>
+          </a:fontRef>
+        </p:style>
+        <p:txBody>
+          <a:bodyPr rtlCol="0" anchor="ctr"/>
+          <a:lstStyle/>
+          <a:p>
+            <a:pPr algn="ctr"/>
+            <a:endParaRPr lang="en-US"/>
+          </a:p>
+        </p:txBody>
+      </p:sp>
+      <p:sp>
+        <p:nvSpPr>
+          <p:cNvPr id="18" name="Freeform: Shape 17">
+            <a:extLst>
+              <a:ext uri="{FF2B5EF4-FFF2-40B4-BE49-F238E27FC236}">
+                <a16:creationId xmlns:a16="http://schemas.microsoft.com/office/drawing/2014/main" id="{9A97C86A-04D6-40F7-AE84-31AB43E6A846}"/>
+              </a:ext>
+              <a:ext uri="{C183D7F6-B498-43B3-948B-1728B52AA6E4}">
+                <adec:decorative xmlns:adec="http://schemas.microsoft.com/office/drawing/2017/decorative" val="1"/>
+              </a:ext>
+            </a:extLst>
+          </p:cNvPr>
+          <p:cNvSpPr>
+            <a:spLocks noGrp="1" noRot="1" noChangeAspect="1" noMove="1" noResize="1" noEditPoints="1" noAdjustHandles="1" noChangeArrowheads="1" noChangeShapeType="1" noTextEdit="1"/>
+          </p:cNvSpPr>
+          <p:nvPr>
+            <p:extLst>
+              <p:ext uri="{386F3935-93C4-4BCD-93E2-E3B085C9AB24}">
+                <p16:designElem xmlns:p16="http://schemas.microsoft.com/office/powerpoint/2015/main" val="1"/>
+              </p:ext>
+            </p:extLst>
+          </p:nvPr>
+        </p:nvSpPr>
+        <p:spPr>
+          <a:xfrm rot="10800000" flipH="1">
+            <a:off x="9356643" y="0"/>
+            <a:ext cx="2835357" cy="1480837"/>
+          </a:xfrm>
+          <a:custGeom>
+            <a:avLst/>
+            <a:gdLst>
+              <a:gd name="connsiteX0" fmla="*/ 2835357 w 2835357"/>
+              <a:gd name="connsiteY0" fmla="*/ 1480837 h 1480837"/>
+              <a:gd name="connsiteX1" fmla="*/ 0 w 2835357"/>
+              <a:gd name="connsiteY1" fmla="*/ 1480837 h 1480837"/>
+              <a:gd name="connsiteX2" fmla="*/ 1552727 w 2835357"/>
+              <a:gd name="connsiteY2" fmla="*/ 0 h 1480837"/>
+              <a:gd name="connsiteX3" fmla="*/ 2835357 w 2835357"/>
+              <a:gd name="connsiteY3" fmla="*/ 1223245 h 1480837"/>
+            </a:gdLst>
+            <a:ahLst/>
+            <a:cxnLst>
+              <a:cxn ang="0">
+                <a:pos x="connsiteX0" y="connsiteY0"/>
+              </a:cxn>
+              <a:cxn ang="0">
+                <a:pos x="connsiteX1" y="connsiteY1"/>
+              </a:cxn>
+              <a:cxn ang="0">
+                <a:pos x="connsiteX2" y="connsiteY2"/>
+              </a:cxn>
+              <a:cxn ang="0">
+                <a:pos x="connsiteX3" y="connsiteY3"/>
+              </a:cxn>
+            </a:cxnLst>
+            <a:rect l="l" t="t" r="r" b="b"/>
+            <a:pathLst>
+              <a:path w="2835357" h="1480837">
+                <a:moveTo>
+                  <a:pt x="2835357" y="1480837"/>
+                </a:moveTo>
+                <a:lnTo>
+                  <a:pt x="0" y="1480837"/>
+                </a:lnTo>
+                <a:lnTo>
+                  <a:pt x="1552727" y="0"/>
+                </a:lnTo>
+                <a:lnTo>
+                  <a:pt x="2835357" y="1223245"/>
+                </a:lnTo>
+                <a:close/>
+              </a:path>
+            </a:pathLst>
+          </a:custGeom>
+          <a:solidFill>
+            <a:schemeClr val="accent4">
+              <a:alpha val="30000"/>
+            </a:schemeClr>
+          </a:solidFill>
+          <a:ln>
+            <a:noFill/>
+          </a:ln>
+        </p:spPr>
+        <p:style>
+          <a:lnRef idx="2">
+            <a:schemeClr val="accent1">
+              <a:shade val="50000"/>
+            </a:schemeClr>
+          </a:lnRef>
+          <a:fillRef idx="1">
+            <a:schemeClr val="accent1"/>
+          </a:fillRef>
+          <a:effectRef idx="0">
+            <a:schemeClr val="accent1"/>
+          </a:effectRef>
+          <a:fontRef idx="minor">
+            <a:schemeClr val="lt1"/>
+          </a:fontRef>
+        </p:style>
+        <p:txBody>
+          <a:bodyPr wrap="square" rtlCol="0" anchor="ctr">
+            <a:noAutofit/>
+          </a:bodyPr>
+          <a:lstStyle/>
+          <a:p>
+            <a:pPr algn="ctr"/>
+            <a:endParaRPr lang="en-US" dirty="0"/>
+          </a:p>
+        </p:txBody>
+      </p:sp>
+      <p:sp>
+        <p:nvSpPr>
+          <p:cNvPr id="20" name="Isosceles Triangle 19">
+            <a:extLst>
+              <a:ext uri="{FF2B5EF4-FFF2-40B4-BE49-F238E27FC236}">
+                <a16:creationId xmlns:a16="http://schemas.microsoft.com/office/drawing/2014/main" id="{FF9F2414-84E8-453E-B1F3-389FDE8192D9}"/>
+              </a:ext>
+              <a:ext uri="{C183D7F6-B498-43B3-948B-1728B52AA6E4}">
+                <adec:decorative xmlns:adec="http://schemas.microsoft.com/office/drawing/2017/decorative" val="1"/>
+              </a:ext>
+            </a:extLst>
+          </p:cNvPr>
+          <p:cNvSpPr>
+            <a:spLocks noGrp="1" noRot="1" noChangeAspect="1" noMove="1" noResize="1" noEditPoints="1" noAdjustHandles="1" noChangeArrowheads="1" noChangeShapeType="1" noTextEdit="1"/>
+          </p:cNvSpPr>
+          <p:nvPr>
+            <p:extLst>
+              <p:ext uri="{386F3935-93C4-4BCD-93E2-E3B085C9AB24}">
+                <p16:designElem xmlns:p16="http://schemas.microsoft.com/office/powerpoint/2015/main" val="1"/>
+              </p:ext>
+            </p:extLst>
+          </p:nvPr>
+        </p:nvSpPr>
+        <p:spPr>
+          <a:xfrm flipH="1">
+            <a:off x="7976344" y="6115501"/>
+            <a:ext cx="1494513" cy="742499"/>
+          </a:xfrm>
+          <a:prstGeom prst="triangle">
+            <a:avLst/>
+          </a:prstGeom>
+          <a:solidFill>
+            <a:schemeClr val="accent1">
+              <a:alpha val="30000"/>
+            </a:schemeClr>
+          </a:solidFill>
+          <a:ln>
+            <a:noFill/>
+          </a:ln>
+        </p:spPr>
+        <p:style>
+          <a:lnRef idx="2">
+            <a:schemeClr val="accent1">
+              <a:shade val="50000"/>
+            </a:schemeClr>
+          </a:lnRef>
+          <a:fillRef idx="1">
+            <a:schemeClr val="accent1"/>
+          </a:fillRef>
+          <a:effectRef idx="0">
+            <a:schemeClr val="accent1"/>
+          </a:effectRef>
+          <a:fontRef idx="minor">
+            <a:schemeClr val="lt1"/>
+          </a:fontRef>
+        </p:style>
+        <p:txBody>
+          <a:bodyPr rtlCol="0" anchor="ctr"/>
+          <a:lstStyle/>
+          <a:p>
+            <a:pPr algn="ctr"/>
+            <a:endParaRPr lang="en-US"/>
+          </a:p>
+        </p:txBody>
+      </p:sp>
+      <p:pic>
+        <p:nvPicPr>
+          <p:cNvPr id="5" name="그림 4">
+            <a:extLst>
+              <a:ext uri="{FF2B5EF4-FFF2-40B4-BE49-F238E27FC236}">
+                <a16:creationId xmlns:a16="http://schemas.microsoft.com/office/drawing/2014/main" id="{E5CFBCFD-2C69-4967-8099-7CB81E545CE5}"/>
+              </a:ext>
+            </a:extLst>
+          </p:cNvPr>
+          <p:cNvPicPr>
+            <a:picLocks noChangeAspect="1"/>
+          </p:cNvPicPr>
+          <p:nvPr/>
+        </p:nvPicPr>
+        <p:blipFill>
+          <a:blip r:embed="rId2">
+            <a:extLst>
+              <a:ext uri="{28A0092B-C50C-407E-A947-70E740481C1C}">
+                <a14:useLocalDpi xmlns:a14="http://schemas.microsoft.com/office/drawing/2010/main" val="0"/>
+              </a:ext>
+            </a:extLst>
+          </a:blip>
+          <a:stretch>
+            <a:fillRect/>
+          </a:stretch>
+        </p:blipFill>
+        <p:spPr>
+          <a:xfrm>
+            <a:off x="4382898" y="643467"/>
+            <a:ext cx="3426204" cy="5571065"/>
+          </a:xfrm>
+          <a:prstGeom prst="rect">
+            <a:avLst/>
+          </a:prstGeom>
+          <a:ln>
+            <a:noFill/>
+          </a:ln>
+        </p:spPr>
+      </p:pic>
+      <p:sp>
+        <p:nvSpPr>
+          <p:cNvPr id="22" name="Isosceles Triangle 21">
+            <a:extLst>
+              <a:ext uri="{FF2B5EF4-FFF2-40B4-BE49-F238E27FC236}">
+                <a16:creationId xmlns:a16="http://schemas.microsoft.com/office/drawing/2014/main" id="{3ECA69A1-7536-43AC-85EF-C7106179F5ED}"/>
+              </a:ext>
+              <a:ext uri="{C183D7F6-B498-43B3-948B-1728B52AA6E4}">
+                <adec:decorative xmlns:adec="http://schemas.microsoft.com/office/drawing/2017/decorative" val="1"/>
+              </a:ext>
+            </a:extLst>
+          </p:cNvPr>
+          <p:cNvSpPr>
+            <a:spLocks noGrp="1" noRot="1" noChangeAspect="1" noMove="1" noResize="1" noEditPoints="1" noAdjustHandles="1" noChangeArrowheads="1" noChangeShapeType="1" noTextEdit="1"/>
+          </p:cNvSpPr>
+          <p:nvPr>
+            <p:extLst>
+              <p:ext uri="{386F3935-93C4-4BCD-93E2-E3B085C9AB24}">
+                <p16:designElem xmlns:p16="http://schemas.microsoft.com/office/powerpoint/2015/main" val="1"/>
+              </p:ext>
+            </p:extLst>
+          </p:nvPr>
+        </p:nvSpPr>
+        <p:spPr>
+          <a:xfrm flipH="1">
+            <a:off x="7604080" y="6453143"/>
+            <a:ext cx="814903" cy="404857"/>
+          </a:xfrm>
+          <a:prstGeom prst="triangle">
+            <a:avLst/>
+          </a:prstGeom>
+          <a:solidFill>
+            <a:schemeClr val="accent1">
+              <a:alpha val="30000"/>
+            </a:schemeClr>
+          </a:solidFill>
+          <a:ln>
+            <a:noFill/>
+          </a:ln>
+        </p:spPr>
+        <p:style>
+          <a:lnRef idx="2">
+            <a:schemeClr val="accent1">
+              <a:shade val="50000"/>
+            </a:schemeClr>
+          </a:lnRef>
+          <a:fillRef idx="1">
+            <a:schemeClr val="accent1"/>
+          </a:fillRef>
+          <a:effectRef idx="0">
+            <a:schemeClr val="accent1"/>
+          </a:effectRef>
+          <a:fontRef idx="minor">
+            <a:schemeClr val="lt1"/>
+          </a:fontRef>
+        </p:style>
+        <p:txBody>
+          <a:bodyPr rtlCol="0" anchor="ctr"/>
+          <a:lstStyle/>
+          <a:p>
+            <a:pPr algn="ctr"/>
+            <a:endParaRPr lang="en-US"/>
+          </a:p>
+        </p:txBody>
+      </p:sp>
+    </p:spTree>
+    <p:extLst>
+      <p:ext uri="{BB962C8B-B14F-4D97-AF65-F5344CB8AC3E}">
+        <p14:creationId xmlns:p14="http://schemas.microsoft.com/office/powerpoint/2010/main" val="4095379260"/>
+      </p:ext>
+    </p:extLst>
+  </p:cSld>
+  <p:clrMapOvr>
+    <a:masterClrMapping/>
+  </p:clrMapOvr>
+</p:sld>
+</file>
+
+<file path=ppt/slides/slide2.xml><?xml version="1.0" encoding="utf-8"?>
+<p:sld xmlns:a="http://schemas.openxmlformats.org/drawingml/2006/main" xmlns:r="http://schemas.openxmlformats.org/officeDocument/2006/relationships" xmlns:p="http://schemas.openxmlformats.org/presentationml/2006/main">
+  <p:cSld>
     <p:spTree>
       <p:nvGrpSpPr>
         <p:cNvPr id="1" name=""/>
@@ -4013,6 +5081,45 @@
               <a:t>MST n-1</a:t>
             </a:r>
             <a:endParaRPr lang="ko-KR" altLang="en-US" sz="3200" dirty="0"/>
+          </a:p>
+        </p:txBody>
+      </p:sp>
+      <p:sp>
+        <p:nvSpPr>
+          <p:cNvPr id="18" name="TextBox 17">
+            <a:extLst>
+              <a:ext uri="{FF2B5EF4-FFF2-40B4-BE49-F238E27FC236}">
+                <a16:creationId xmlns:a16="http://schemas.microsoft.com/office/drawing/2014/main" id="{CB856831-C96D-484E-8851-967B09D3334F}"/>
+              </a:ext>
+            </a:extLst>
+          </p:cNvPr>
+          <p:cNvSpPr txBox="1"/>
+          <p:nvPr/>
+        </p:nvSpPr>
+        <p:spPr>
+          <a:xfrm>
+            <a:off x="1251148" y="191963"/>
+            <a:ext cx="3913632" cy="369332"/>
+          </a:xfrm>
+          <a:prstGeom prst="rect">
+            <a:avLst/>
+          </a:prstGeom>
+          <a:noFill/>
+        </p:spPr>
+        <p:txBody>
+          <a:bodyPr wrap="square" rtlCol="0">
+            <a:spAutoFit/>
+          </a:bodyPr>
+          <a:lstStyle/>
+          <a:p>
+            <a:r>
+              <a:rPr lang="ko-KR" altLang="en-US" dirty="0" err="1"/>
+              <a:t>크루스칼</a:t>
+            </a:r>
+            <a:r>
+              <a:rPr lang="ko-KR" altLang="en-US" dirty="0"/>
+              <a:t> 알고리즘</a:t>
+            </a:r>
           </a:p>
         </p:txBody>
       </p:sp>
@@ -4322,4 +5429,299 @@
     </a:ext>
   </a:extLst>
 </a:theme>
+</file>
+
+<file path=ppt/theme/theme2.xml><?xml version="1.0" encoding="utf-8"?>
+<a:theme xmlns:a="http://schemas.openxmlformats.org/drawingml/2006/main" name="Office 테마">
+  <a:themeElements>
+    <a:clrScheme name="Office">
+      <a:dk1>
+        <a:sysClr val="windowText" lastClr="000000"/>
+      </a:dk1>
+      <a:lt1>
+        <a:sysClr val="window" lastClr="FFFFFF"/>
+      </a:lt1>
+      <a:dk2>
+        <a:srgbClr val="44546A"/>
+      </a:dk2>
+      <a:lt2>
+        <a:srgbClr val="E7E6E6"/>
+      </a:lt2>
+      <a:accent1>
+        <a:srgbClr val="4472C4"/>
+      </a:accent1>
+      <a:accent2>
+        <a:srgbClr val="ED7D31"/>
+      </a:accent2>
+      <a:accent3>
+        <a:srgbClr val="A5A5A5"/>
+      </a:accent3>
+      <a:accent4>
+        <a:srgbClr val="FFC000"/>
+      </a:accent4>
+      <a:accent5>
+        <a:srgbClr val="5B9BD5"/>
+      </a:accent5>
+      <a:accent6>
+        <a:srgbClr val="70AD47"/>
+      </a:accent6>
+      <a:hlink>
+        <a:srgbClr val="0563C1"/>
+      </a:hlink>
+      <a:folHlink>
+        <a:srgbClr val="954F72"/>
+      </a:folHlink>
+    </a:clrScheme>
+    <a:fontScheme name="Office">
+      <a:majorFont>
+        <a:latin typeface="맑은 고딕" panose="020F0302020204030204"/>
+        <a:ea typeface=""/>
+        <a:cs typeface=""/>
+        <a:font script="Jpan" typeface="游ゴシック Light"/>
+        <a:font script="Hang" typeface="맑은 고딕"/>
+        <a:font script="Hans" typeface="等线 Light"/>
+        <a:font script="Hant" typeface="新細明體"/>
+        <a:font script="Arab" typeface="Times New Roman"/>
+        <a:font script="Hebr" typeface="Times New Roman"/>
+        <a:font script="Thai" typeface="Angsana New"/>
+        <a:font script="Ethi" typeface="Nyala"/>
+        <a:font script="Beng" typeface="Vrinda"/>
+        <a:font script="Gujr" typeface="Shruti"/>
+        <a:font script="Khmr" typeface="MoolBoran"/>
+        <a:font script="Knda" typeface="Tunga"/>
+        <a:font script="Guru" typeface="Raavi"/>
+        <a:font script="Cans" typeface="Euphemia"/>
+        <a:font script="Cher" typeface="Plantagenet Cherokee"/>
+        <a:font script="Yiii" typeface="Microsoft Yi Baiti"/>
+        <a:font script="Tibt" typeface="Microsoft Himalaya"/>
+        <a:font script="Thaa" typeface="MV Boli"/>
+        <a:font script="Deva" typeface="Mangal"/>
+        <a:font script="Telu" typeface="Gautami"/>
+        <a:font script="Taml" typeface="Latha"/>
+        <a:font script="Syrc" typeface="Estrangelo Edessa"/>
+        <a:font script="Orya" typeface="Kalinga"/>
+        <a:font script="Mlym" typeface="Kartika"/>
+        <a:font script="Laoo" typeface="DokChampa"/>
+        <a:font script="Sinh" typeface="Iskoola Pota"/>
+        <a:font script="Mong" typeface="Mongolian Baiti"/>
+        <a:font script="Viet" typeface="Times New Roman"/>
+        <a:font script="Uigh" typeface="Microsoft Uighur"/>
+        <a:font script="Geor" typeface="Sylfaen"/>
+        <a:font script="Armn" typeface="Arial"/>
+        <a:font script="Bugi" typeface="Leelawadee UI"/>
+        <a:font script="Bopo" typeface="Microsoft JhengHei"/>
+        <a:font script="Java" typeface="Javanese Text"/>
+        <a:font script="Lisu" typeface="Segoe UI"/>
+        <a:font script="Mymr" typeface="Myanmar Text"/>
+        <a:font script="Nkoo" typeface="Ebrima"/>
+        <a:font script="Olck" typeface="Nirmala UI"/>
+        <a:font script="Osma" typeface="Ebrima"/>
+        <a:font script="Phag" typeface="Phagspa"/>
+        <a:font script="Syrn" typeface="Estrangelo Edessa"/>
+        <a:font script="Syrj" typeface="Estrangelo Edessa"/>
+        <a:font script="Syre" typeface="Estrangelo Edessa"/>
+        <a:font script="Sora" typeface="Nirmala UI"/>
+        <a:font script="Tale" typeface="Microsoft Tai Le"/>
+        <a:font script="Talu" typeface="Microsoft New Tai Lue"/>
+        <a:font script="Tfng" typeface="Ebrima"/>
+      </a:majorFont>
+      <a:minorFont>
+        <a:latin typeface="맑은 고딕" panose="020F0502020204030204"/>
+        <a:ea typeface=""/>
+        <a:cs typeface=""/>
+        <a:font script="Jpan" typeface="游ゴシック"/>
+        <a:font script="Hang" typeface="맑은 고딕"/>
+        <a:font script="Hans" typeface="等线"/>
+        <a:font script="Hant" typeface="新細明體"/>
+        <a:font script="Arab" typeface="Arial"/>
+        <a:font script="Hebr" typeface="Arial"/>
+        <a:font script="Thai" typeface="Cordia New"/>
+        <a:font script="Ethi" typeface="Nyala"/>
+        <a:font script="Beng" typeface="Vrinda"/>
+        <a:font script="Gujr" typeface="Shruti"/>
+        <a:font script="Khmr" typeface="DaunPenh"/>
+        <a:font script="Knda" typeface="Tunga"/>
+        <a:font script="Guru" typeface="Raavi"/>
+        <a:font script="Cans" typeface="Euphemia"/>
+        <a:font script="Cher" typeface="Plantagenet Cherokee"/>
+        <a:font script="Yiii" typeface="Microsoft Yi Baiti"/>
+        <a:font script="Tibt" typeface="Microsoft Himalaya"/>
+        <a:font script="Thaa" typeface="MV Boli"/>
+        <a:font script="Deva" typeface="Mangal"/>
+        <a:font script="Telu" typeface="Gautami"/>
+        <a:font script="Taml" typeface="Latha"/>
+        <a:font script="Syrc" typeface="Estrangelo Edessa"/>
+        <a:font script="Orya" typeface="Kalinga"/>
+        <a:font script="Mlym" typeface="Kartika"/>
+        <a:font script="Laoo" typeface="DokChampa"/>
+        <a:font script="Sinh" typeface="Iskoola Pota"/>
+        <a:font script="Mong" typeface="Mongolian Baiti"/>
+        <a:font script="Viet" typeface="Arial"/>
+        <a:font script="Uigh" typeface="Microsoft Uighur"/>
+        <a:font script="Geor" typeface="Sylfaen"/>
+        <a:font script="Armn" typeface="Arial"/>
+        <a:font script="Bugi" typeface="Leelawadee UI"/>
+        <a:font script="Bopo" typeface="Microsoft JhengHei"/>
+        <a:font script="Java" typeface="Javanese Text"/>
+        <a:font script="Lisu" typeface="Segoe UI"/>
+        <a:font script="Mymr" typeface="Myanmar Text"/>
+        <a:font script="Nkoo" typeface="Ebrima"/>
+        <a:font script="Olck" typeface="Nirmala UI"/>
+        <a:font script="Osma" typeface="Ebrima"/>
+        <a:font script="Phag" typeface="Phagspa"/>
+        <a:font script="Syrn" typeface="Estrangelo Edessa"/>
+        <a:font script="Syrj" typeface="Estrangelo Edessa"/>
+        <a:font script="Syre" typeface="Estrangelo Edessa"/>
+        <a:font script="Sora" typeface="Nirmala UI"/>
+        <a:font script="Tale" typeface="Microsoft Tai Le"/>
+        <a:font script="Talu" typeface="Microsoft New Tai Lue"/>
+        <a:font script="Tfng" typeface="Ebrima"/>
+      </a:minorFont>
+    </a:fontScheme>
+    <a:fmtScheme name="Office">
+      <a:fillStyleLst>
+        <a:solidFill>
+          <a:schemeClr val="phClr"/>
+        </a:solidFill>
+        <a:gradFill rotWithShape="1">
+          <a:gsLst>
+            <a:gs pos="0">
+              <a:schemeClr val="phClr">
+                <a:lumMod val="110000"/>
+                <a:satMod val="105000"/>
+                <a:tint val="67000"/>
+              </a:schemeClr>
+            </a:gs>
+            <a:gs pos="50000">
+              <a:schemeClr val="phClr">
+                <a:lumMod val="105000"/>
+                <a:satMod val="103000"/>
+                <a:tint val="73000"/>
+              </a:schemeClr>
+            </a:gs>
+            <a:gs pos="100000">
+              <a:schemeClr val="phClr">
+                <a:lumMod val="105000"/>
+                <a:satMod val="109000"/>
+                <a:tint val="81000"/>
+              </a:schemeClr>
+            </a:gs>
+          </a:gsLst>
+          <a:lin ang="5400000" scaled="0"/>
+        </a:gradFill>
+        <a:gradFill rotWithShape="1">
+          <a:gsLst>
+            <a:gs pos="0">
+              <a:schemeClr val="phClr">
+                <a:satMod val="103000"/>
+                <a:lumMod val="102000"/>
+                <a:tint val="94000"/>
+              </a:schemeClr>
+            </a:gs>
+            <a:gs pos="50000">
+              <a:schemeClr val="phClr">
+                <a:satMod val="110000"/>
+                <a:lumMod val="100000"/>
+                <a:shade val="100000"/>
+              </a:schemeClr>
+            </a:gs>
+            <a:gs pos="100000">
+              <a:schemeClr val="phClr">
+                <a:lumMod val="99000"/>
+                <a:satMod val="120000"/>
+                <a:shade val="78000"/>
+              </a:schemeClr>
+            </a:gs>
+          </a:gsLst>
+          <a:lin ang="5400000" scaled="0"/>
+        </a:gradFill>
+      </a:fillStyleLst>
+      <a:lnStyleLst>
+        <a:ln w="6350" cap="flat" cmpd="sng" algn="ctr">
+          <a:solidFill>
+            <a:schemeClr val="phClr"/>
+          </a:solidFill>
+          <a:prstDash val="solid"/>
+          <a:miter lim="800000"/>
+        </a:ln>
+        <a:ln w="12700" cap="flat" cmpd="sng" algn="ctr">
+          <a:solidFill>
+            <a:schemeClr val="phClr"/>
+          </a:solidFill>
+          <a:prstDash val="solid"/>
+          <a:miter lim="800000"/>
+        </a:ln>
+        <a:ln w="19050" cap="flat" cmpd="sng" algn="ctr">
+          <a:solidFill>
+            <a:schemeClr val="phClr"/>
+          </a:solidFill>
+          <a:prstDash val="solid"/>
+          <a:miter lim="800000"/>
+        </a:ln>
+      </a:lnStyleLst>
+      <a:effectStyleLst>
+        <a:effectStyle>
+          <a:effectLst/>
+        </a:effectStyle>
+        <a:effectStyle>
+          <a:effectLst/>
+        </a:effectStyle>
+        <a:effectStyle>
+          <a:effectLst>
+            <a:outerShdw blurRad="57150" dist="19050" dir="5400000" algn="ctr" rotWithShape="0">
+              <a:srgbClr val="000000">
+                <a:alpha val="63000"/>
+              </a:srgbClr>
+            </a:outerShdw>
+          </a:effectLst>
+        </a:effectStyle>
+      </a:effectStyleLst>
+      <a:bgFillStyleLst>
+        <a:solidFill>
+          <a:schemeClr val="phClr"/>
+        </a:solidFill>
+        <a:solidFill>
+          <a:schemeClr val="phClr">
+            <a:tint val="95000"/>
+            <a:satMod val="170000"/>
+          </a:schemeClr>
+        </a:solidFill>
+        <a:gradFill rotWithShape="1">
+          <a:gsLst>
+            <a:gs pos="0">
+              <a:schemeClr val="phClr">
+                <a:tint val="93000"/>
+                <a:satMod val="150000"/>
+                <a:shade val="98000"/>
+                <a:lumMod val="102000"/>
+              </a:schemeClr>
+            </a:gs>
+            <a:gs pos="50000">
+              <a:schemeClr val="phClr">
+                <a:tint val="98000"/>
+                <a:satMod val="130000"/>
+                <a:shade val="90000"/>
+                <a:lumMod val="103000"/>
+              </a:schemeClr>
+            </a:gs>
+            <a:gs pos="100000">
+              <a:schemeClr val="phClr">
+                <a:shade val="63000"/>
+                <a:satMod val="120000"/>
+              </a:schemeClr>
+            </a:gs>
+          </a:gsLst>
+          <a:lin ang="5400000" scaled="0"/>
+        </a:gradFill>
+      </a:bgFillStyleLst>
+    </a:fmtScheme>
+  </a:themeElements>
+  <a:objectDefaults/>
+  <a:extraClrSchemeLst/>
+  <a:extLst>
+    <a:ext uri="{05A4C25C-085E-4340-85A3-A5531E510DB2}">
+      <thm15:themeFamily xmlns:thm15="http://schemas.microsoft.com/office/thememl/2012/main" name="Office Theme" id="{62F939B6-93AF-4DB8-9C6B-D6C7DFDC589F}" vid="{4A3C46E8-61CC-4603-A589-7422A47A8E4A}"/>
+    </a:ext>
+  </a:extLst>
+</a:theme>
 </file>